--- a/プロジェクト計画書_v0.5.pptx
+++ b/プロジェクト計画書_v0.5.pptx
@@ -7059,7 +7059,7 @@
               <a:buAutoNum type="romanLcPeriod"/>
             </a:pPr>
             <a:r>
-              <a:rPr lang="ja-JP" sz="1600" b="0" i="0" u="none" strike="noStrike" cap="none">
+              <a:rPr lang="ja-JP" sz="1600" b="0" i="0" u="none" strike="noStrike" cap="none" dirty="0">
                 <a:solidFill>
                   <a:schemeClr val="dk1"/>
                 </a:solidFill>
@@ -7070,7 +7070,7 @@
               </a:rPr>
               <a:t>課題管理方針</a:t>
             </a:r>
-            <a:endParaRPr sz="1600" b="0" i="0" u="none" strike="noStrike" cap="none">
+            <a:endParaRPr sz="1600" b="0" i="0" u="none" strike="noStrike" cap="none" dirty="0">
               <a:solidFill>
                 <a:schemeClr val="dk1"/>
               </a:solidFill>
@@ -7099,29 +7099,33 @@
               <a:buChar char="•"/>
             </a:pPr>
             <a:r>
-              <a:rPr lang="ja-JP" sz="1400" b="0" i="0" u="none" strike="noStrike" cap="none">
-                <a:solidFill>
-                  <a:schemeClr val="dk1"/>
-                </a:solidFill>
+              <a:rPr lang="en-US" altLang="ja-JP" dirty="0" err="1" smtClean="0">
                 <a:latin typeface="+mn-ea"/>
                 <a:ea typeface="+mn-ea"/>
-                <a:cs typeface="Calibri"/>
-                <a:sym typeface="Calibri"/>
               </a:rPr>
-              <a:t>課題管理表を作成し、運用管理を行う。</a:t>
+              <a:t>Github</a:t>
             </a:r>
-            <a:endParaRPr sz="1400" b="0" i="0" u="none" strike="noStrike" cap="none">
-              <a:solidFill>
-                <a:schemeClr val="dk1"/>
-              </a:solidFill>
+            <a:r>
+              <a:rPr lang="ja-JP" altLang="en-US" dirty="0" err="1" smtClean="0">
+                <a:latin typeface="+mn-ea"/>
+                <a:ea typeface="+mn-ea"/>
+              </a:rPr>
+              <a:t>にて</a:t>
+            </a:r>
+            <a:r>
+              <a:rPr lang="ja-JP" altLang="en-US" dirty="0" smtClean="0">
+                <a:latin typeface="+mn-ea"/>
+                <a:ea typeface="+mn-ea"/>
+              </a:rPr>
+              <a:t>課題管理を行う。</a:t>
+            </a:r>
+            <a:endParaRPr lang="en-US" altLang="ja-JP" dirty="0">
               <a:latin typeface="+mn-ea"/>
               <a:ea typeface="+mn-ea"/>
-              <a:cs typeface="Calibri"/>
-              <a:sym typeface="Calibri"/>
             </a:endParaRPr>
           </a:p>
           <a:p>
-            <a:pPr marL="1143000" marR="0" lvl="2" indent="-228600" algn="l" rtl="0">
+            <a:pPr marL="685800" marR="0" lvl="1" indent="-228600" algn="l" rtl="0">
               <a:lnSpc>
                 <a:spcPct val="90000"/>
               </a:lnSpc>
@@ -7135,50 +7139,10 @@
                 <a:schemeClr val="dk1"/>
               </a:buClr>
               <a:buSzPts val="1400"/>
-              <a:buFont typeface="Noto Sans Symbols"/>
-              <a:buChar char="➢"/>
+              <a:buFont typeface="Arial"/>
+              <a:buChar char="•"/>
             </a:pPr>
-            <a:r>
-              <a:rPr lang="ja-JP" sz="1400" b="0" i="0" u="none" strike="noStrike" cap="none">
-                <a:solidFill>
-                  <a:schemeClr val="dk1"/>
-                </a:solidFill>
-                <a:latin typeface="+mn-ea"/>
-                <a:ea typeface="+mn-ea"/>
-                <a:cs typeface="Calibri"/>
-                <a:sym typeface="Calibri"/>
-              </a:rPr>
-              <a:t>課題管理表は別途作成。</a:t>
-            </a:r>
-            <a:endParaRPr sz="1400" b="0" i="0" u="none" strike="noStrike" cap="none">
-              <a:solidFill>
-                <a:schemeClr val="dk1"/>
-              </a:solidFill>
-              <a:latin typeface="+mn-ea"/>
-              <a:ea typeface="+mn-ea"/>
-              <a:cs typeface="Calibri"/>
-              <a:sym typeface="Calibri"/>
-            </a:endParaRPr>
-          </a:p>
-          <a:p>
-            <a:pPr marL="400050" marR="0" lvl="0" indent="-298450" algn="l" rtl="0">
-              <a:lnSpc>
-                <a:spcPct val="90000"/>
-              </a:lnSpc>
-              <a:spcBef>
-                <a:spcPts val="1000"/>
-              </a:spcBef>
-              <a:spcAft>
-                <a:spcPts val="0"/>
-              </a:spcAft>
-              <a:buClr>
-                <a:schemeClr val="dk1"/>
-              </a:buClr>
-              <a:buSzPts val="1600"/>
-              <a:buFont typeface="Calibri"/>
-              <a:buNone/>
-            </a:pPr>
-            <a:endParaRPr sz="1600" b="0" i="0" u="none" strike="noStrike" cap="none">
+            <a:endParaRPr sz="1600" b="0" i="0" u="none" strike="noStrike" cap="none" dirty="0">
               <a:solidFill>
                 <a:schemeClr val="dk1"/>
               </a:solidFill>
@@ -7207,7 +7171,7 @@
               <a:buAutoNum type="romanLcPeriod"/>
             </a:pPr>
             <a:r>
-              <a:rPr lang="ja-JP" sz="1600" b="0" i="0" u="none" strike="noStrike" cap="none">
+              <a:rPr lang="ja-JP" sz="1600" b="0" i="0" u="none" strike="noStrike" cap="none" dirty="0">
                 <a:solidFill>
                   <a:schemeClr val="dk1"/>
                 </a:solidFill>
@@ -7218,7 +7182,7 @@
               </a:rPr>
               <a:t>リスクマネジメント方針</a:t>
             </a:r>
-            <a:endParaRPr sz="1600" b="0" i="0" u="none" strike="noStrike" cap="none">
+            <a:endParaRPr sz="1600" b="0" i="0" u="none" strike="noStrike" cap="none" dirty="0">
               <a:solidFill>
                 <a:schemeClr val="dk1"/>
               </a:solidFill>
@@ -7247,7 +7211,7 @@
               <a:buChar char="•"/>
             </a:pPr>
             <a:r>
-              <a:rPr lang="ja-JP" sz="1400" b="0" i="0" u="none" strike="noStrike" cap="none">
+              <a:rPr lang="ja-JP" sz="1400" b="0" i="0" u="none" strike="noStrike" cap="none" dirty="0">
                 <a:solidFill>
                   <a:schemeClr val="dk1"/>
                 </a:solidFill>
@@ -7258,7 +7222,7 @@
               </a:rPr>
               <a:t>プロジェクトの規模、性質を踏まえ特にリスクマネジメントは行わない。</a:t>
             </a:r>
-            <a:endParaRPr sz="1400" b="0" i="0" u="none" strike="noStrike" cap="none">
+            <a:endParaRPr sz="1400" b="0" i="0" u="none" strike="noStrike" cap="none" dirty="0">
               <a:solidFill>
                 <a:schemeClr val="dk1"/>
               </a:solidFill>
@@ -7287,7 +7251,7 @@
               <a:buChar char="•"/>
             </a:pPr>
             <a:r>
-              <a:rPr lang="ja-JP" sz="1400" b="0" i="0" u="none" strike="noStrike" cap="none">
+              <a:rPr lang="ja-JP" sz="1400" b="0" i="0" u="none" strike="noStrike" cap="none" dirty="0">
                 <a:solidFill>
                   <a:schemeClr val="dk1"/>
                 </a:solidFill>
@@ -7298,7 +7262,7 @@
               </a:rPr>
               <a:t>大きなリスクとなり得る事象は課題管理の対象として扱う。</a:t>
             </a:r>
-            <a:endParaRPr sz="1400" b="0" i="0" u="none" strike="noStrike" cap="none">
+            <a:endParaRPr sz="1400" b="0" i="0" u="none" strike="noStrike" cap="none" dirty="0">
               <a:solidFill>
                 <a:schemeClr val="dk1"/>
               </a:solidFill>
@@ -7326,7 +7290,7 @@
               <a:buFont typeface="Arial"/>
               <a:buNone/>
             </a:pPr>
-            <a:endParaRPr sz="1400" b="0" i="0" u="none" strike="noStrike" cap="none">
+            <a:endParaRPr sz="1400" b="0" i="0" u="none" strike="noStrike" cap="none" dirty="0">
               <a:solidFill>
                 <a:schemeClr val="dk1"/>
               </a:solidFill>
@@ -7355,7 +7319,7 @@
               <a:buAutoNum type="romanLcPeriod"/>
             </a:pPr>
             <a:r>
-              <a:rPr lang="ja-JP" sz="1600" b="0" i="0" u="none" strike="noStrike" cap="none">
+              <a:rPr lang="ja-JP" sz="1600" b="0" i="0" u="none" strike="noStrike" cap="none" dirty="0">
                 <a:solidFill>
                   <a:schemeClr val="dk1"/>
                 </a:solidFill>
@@ -7366,7 +7330,7 @@
               </a:rPr>
               <a:t>変更管理方針</a:t>
             </a:r>
-            <a:endParaRPr sz="1600" b="0" i="0" u="none" strike="noStrike" cap="none">
+            <a:endParaRPr sz="1600" b="0" i="0" u="none" strike="noStrike" cap="none" dirty="0">
               <a:solidFill>
                 <a:schemeClr val="dk1"/>
               </a:solidFill>
@@ -7395,7 +7359,7 @@
               <a:buChar char="•"/>
             </a:pPr>
             <a:r>
-              <a:rPr lang="ja-JP" sz="1400" b="0" i="0" u="none" strike="noStrike" cap="none">
+              <a:rPr lang="ja-JP" sz="1400" b="0" i="0" u="none" strike="noStrike" cap="none" dirty="0">
                 <a:solidFill>
                   <a:schemeClr val="dk1"/>
                 </a:solidFill>
@@ -7406,7 +7370,7 @@
               </a:rPr>
               <a:t>スコープの変更など大きな変更はプロジェクトメンバー2名による変更管理会議を経て両名の同意の基に行う。</a:t>
             </a:r>
-            <a:endParaRPr sz="1400" b="0" i="0" u="none" strike="noStrike" cap="none">
+            <a:endParaRPr sz="1400" b="0" i="0" u="none" strike="noStrike" cap="none" dirty="0">
               <a:solidFill>
                 <a:schemeClr val="dk1"/>
               </a:solidFill>
@@ -7434,7 +7398,7 @@
               <a:buFont typeface="Arial"/>
               <a:buNone/>
             </a:pPr>
-            <a:endParaRPr sz="1400" b="0" i="0" u="none" strike="noStrike" cap="none">
+            <a:endParaRPr sz="1400" b="0" i="0" u="none" strike="noStrike" cap="none" dirty="0">
               <a:solidFill>
                 <a:schemeClr val="dk1"/>
               </a:solidFill>
@@ -7463,7 +7427,7 @@
               <a:buAutoNum type="romanLcPeriod"/>
             </a:pPr>
             <a:r>
-              <a:rPr lang="ja-JP" sz="1600" b="0" i="0" u="none" strike="noStrike" cap="none">
+              <a:rPr lang="ja-JP" sz="1600" b="0" i="0" u="none" strike="noStrike" cap="none" dirty="0">
                 <a:solidFill>
                   <a:schemeClr val="dk1"/>
                 </a:solidFill>
@@ -7474,7 +7438,7 @@
               </a:rPr>
               <a:t>品質管理方針</a:t>
             </a:r>
-            <a:endParaRPr sz="1600" b="0" i="0" u="none" strike="noStrike" cap="none">
+            <a:endParaRPr sz="1600" b="0" i="0" u="none" strike="noStrike" cap="none" dirty="0">
               <a:solidFill>
                 <a:schemeClr val="dk1"/>
               </a:solidFill>
@@ -7485,7 +7449,7 @@
             </a:endParaRPr>
           </a:p>
           <a:p>
-            <a:pPr marL="685800" marR="0" lvl="1" indent="-139700" algn="l" rtl="0">
+            <a:pPr marL="831850" marR="0" lvl="1" indent="-285750" algn="l" rtl="0">
               <a:lnSpc>
                 <a:spcPct val="90000"/>
               </a:lnSpc>
@@ -7499,10 +7463,46 @@
                 <a:schemeClr val="dk1"/>
               </a:buClr>
               <a:buSzPts val="1400"/>
-              <a:buFont typeface="Arial"/>
-              <a:buNone/>
+              <a:buFont typeface="Arial" panose="020B0604020202020204" pitchFamily="34" charset="0"/>
+              <a:buChar char="•"/>
             </a:pPr>
-            <a:endParaRPr sz="1400" b="0" i="0" u="none" strike="noStrike" cap="none">
+            <a:r>
+              <a:rPr lang="ja-JP" altLang="en-US" sz="1400" b="0" i="0" u="none" strike="noStrike" cap="none" dirty="0" smtClean="0">
+                <a:solidFill>
+                  <a:schemeClr val="dk1"/>
+                </a:solidFill>
+                <a:latin typeface="+mn-ea"/>
+                <a:ea typeface="+mn-ea"/>
+                <a:cs typeface="Calibri"/>
+                <a:sym typeface="Calibri"/>
+              </a:rPr>
+              <a:t>品質はプロジェクトメンバー両名の使用に耐えるものとするため、両名の</a:t>
+            </a:r>
+            <a:r>
+              <a:rPr lang="en-US" altLang="ja-JP" sz="1400" b="0" i="0" u="none" strike="noStrike" cap="none" dirty="0" smtClean="0">
+                <a:solidFill>
+                  <a:schemeClr val="dk1"/>
+                </a:solidFill>
+                <a:latin typeface="+mn-ea"/>
+                <a:ea typeface="+mn-ea"/>
+                <a:cs typeface="Calibri"/>
+                <a:sym typeface="Calibri"/>
+              </a:rPr>
+              <a:t>MTG</a:t>
+            </a:r>
+            <a:r>
+              <a:rPr lang="ja-JP" altLang="en-US" sz="1400" b="0" i="0" u="none" strike="noStrike" cap="none" dirty="0" smtClean="0">
+                <a:solidFill>
+                  <a:schemeClr val="dk1"/>
+                </a:solidFill>
+                <a:latin typeface="+mn-ea"/>
+                <a:ea typeface="+mn-ea"/>
+                <a:cs typeface="Calibri"/>
+                <a:sym typeface="Calibri"/>
+              </a:rPr>
+              <a:t>によって品質の判定を行う。</a:t>
+            </a:r>
+            <a:endParaRPr lang="en-US" altLang="ja-JP" sz="1400" b="0" i="0" u="none" strike="noStrike" cap="none" dirty="0" smtClean="0">
               <a:solidFill>
                 <a:schemeClr val="dk1"/>
               </a:solidFill>
@@ -7851,11 +7851,18 @@
               <a:t>は</a:t>
             </a:r>
             <a:r>
-              <a:rPr lang="en-US" altLang="ja-JP" dirty="0" err="1" smtClean="0">
+              <a:rPr lang="en-US" altLang="ja-JP" dirty="0" smtClean="0">
                 <a:latin typeface="+mn-ea"/>
                 <a:ea typeface="+mn-ea"/>
               </a:rPr>
-              <a:t>hungout</a:t>
+              <a:t>Google</a:t>
+            </a:r>
+            <a:r>
+              <a:rPr lang="ja-JP" altLang="en-US" dirty="0" smtClean="0">
+                <a:latin typeface="+mn-ea"/>
+                <a:ea typeface="+mn-ea"/>
+              </a:rPr>
+              <a:t>ハングアウト</a:t>
             </a:r>
             <a:r>
               <a:rPr lang="ja-JP" sz="1400" b="0" i="0" u="none" strike="noStrike" cap="none" dirty="0" smtClean="0">
@@ -9965,7 +9972,7 @@
               <a:buAutoNum type="romanLcPeriod" startAt="6"/>
             </a:pPr>
             <a:r>
-              <a:rPr lang="ja-JP" sz="1600" b="0" i="0" u="none" strike="noStrike" cap="none">
+              <a:rPr lang="ja-JP" sz="1600" b="0" i="0" u="none" strike="noStrike" cap="none" dirty="0">
                 <a:solidFill>
                   <a:schemeClr val="dk1"/>
                 </a:solidFill>
@@ -9975,7 +9982,7 @@
               </a:rPr>
               <a:t>ドキュメント管理方針</a:t>
             </a:r>
-            <a:endParaRPr sz="1600" b="0" i="0" u="none" strike="noStrike" cap="none">
+            <a:endParaRPr sz="1600" b="0" i="0" u="none" strike="noStrike" cap="none" dirty="0">
               <a:solidFill>
                 <a:schemeClr val="dk1"/>
               </a:solidFill>
@@ -10003,7 +10010,7 @@
               <a:buChar char="•"/>
             </a:pPr>
             <a:r>
-              <a:rPr lang="ja-JP" sz="1400" b="0" i="0" u="none" strike="noStrike" cap="none">
+              <a:rPr lang="ja-JP" sz="1400" b="0" i="0" u="none" strike="noStrike" cap="none" dirty="0">
                 <a:solidFill>
                   <a:schemeClr val="dk1"/>
                 </a:solidFill>
@@ -10013,7 +10020,7 @@
               </a:rPr>
               <a:t>ドキュメント及び、コードはGithubで管理する。</a:t>
             </a:r>
-            <a:endParaRPr sz="1400" b="0" i="0" u="none" strike="noStrike" cap="none">
+            <a:endParaRPr sz="1400" b="0" i="0" u="none" strike="noStrike" cap="none" dirty="0">
               <a:solidFill>
                 <a:schemeClr val="dk1"/>
               </a:solidFill>
@@ -10041,7 +10048,7 @@
               <a:buChar char="•"/>
             </a:pPr>
             <a:r>
-              <a:rPr lang="ja-JP" sz="1400" b="0" i="0" u="none" strike="noStrike" cap="none">
+              <a:rPr lang="ja-JP" sz="1400" b="0" i="0" u="none" strike="noStrike" cap="none" dirty="0">
                 <a:solidFill>
                   <a:schemeClr val="dk1"/>
                 </a:solidFill>
@@ -10052,13 +10059,13 @@
               <a:t>フォルダ構成は</a:t>
             </a:r>
             <a:r>
-              <a:rPr lang="ja-JP">
+              <a:rPr lang="ja-JP" dirty="0">
                 <a:latin typeface="+mn-ea"/>
                 <a:ea typeface="+mn-ea"/>
               </a:rPr>
               <a:t>下記のようにプロセスごととする。各プロセス以下の階層は自由に設定してよいものとする。</a:t>
             </a:r>
-            <a:endParaRPr sz="1400" b="0" i="0" u="none" strike="noStrike" cap="none">
+            <a:endParaRPr sz="1400" b="0" i="0" u="none" strike="noStrike" cap="none" dirty="0">
               <a:solidFill>
                 <a:schemeClr val="dk1"/>
               </a:solidFill>
@@ -10085,7 +10092,7 @@
               <a:buFont typeface="Arial"/>
               <a:buNone/>
             </a:pPr>
-            <a:endParaRPr sz="1400" b="0" i="0" u="none" strike="noStrike" cap="none">
+            <a:endParaRPr sz="1400" b="0" i="0" u="none" strike="noStrike" cap="none" dirty="0">
               <a:solidFill>
                 <a:schemeClr val="dk1"/>
               </a:solidFill>
@@ -10112,7 +10119,7 @@
               <a:buFont typeface="Arial"/>
               <a:buNone/>
             </a:pPr>
-            <a:endParaRPr sz="1400" b="0" i="0" u="none" strike="noStrike" cap="none">
+            <a:endParaRPr sz="1400" b="0" i="0" u="none" strike="noStrike" cap="none" dirty="0">
               <a:solidFill>
                 <a:schemeClr val="dk1"/>
               </a:solidFill>
@@ -10139,7 +10146,7 @@
               <a:buFont typeface="Arial"/>
               <a:buNone/>
             </a:pPr>
-            <a:endParaRPr sz="1400" b="0" i="0" u="none" strike="noStrike" cap="none">
+            <a:endParaRPr sz="1400" b="0" i="0" u="none" strike="noStrike" cap="none" dirty="0">
               <a:solidFill>
                 <a:schemeClr val="dk1"/>
               </a:solidFill>
@@ -10166,7 +10173,7 @@
               <a:buFont typeface="Arial"/>
               <a:buNone/>
             </a:pPr>
-            <a:endParaRPr sz="1400" b="0" i="0" u="none" strike="noStrike" cap="none">
+            <a:endParaRPr sz="1400" b="0" i="0" u="none" strike="noStrike" cap="none" dirty="0">
               <a:solidFill>
                 <a:schemeClr val="dk1"/>
               </a:solidFill>
@@ -10193,7 +10200,7 @@
               <a:buFont typeface="Arial"/>
               <a:buNone/>
             </a:pPr>
-            <a:endParaRPr sz="1400" b="0" i="0" u="none" strike="noStrike" cap="none">
+            <a:endParaRPr sz="1400" b="0" i="0" u="none" strike="noStrike" cap="none" dirty="0">
               <a:solidFill>
                 <a:schemeClr val="dk1"/>
               </a:solidFill>
@@ -10220,7 +10227,7 @@
               <a:buFont typeface="Arial"/>
               <a:buNone/>
             </a:pPr>
-            <a:endParaRPr sz="1400" b="0" i="0" u="none" strike="noStrike" cap="none">
+            <a:endParaRPr sz="1400" b="0" i="0" u="none" strike="noStrike" cap="none" dirty="0">
               <a:solidFill>
                 <a:schemeClr val="dk1"/>
               </a:solidFill>
@@ -10247,7 +10254,7 @@
               <a:buFont typeface="Arial"/>
               <a:buNone/>
             </a:pPr>
-            <a:endParaRPr sz="1400" b="0" i="0" u="none" strike="noStrike" cap="none">
+            <a:endParaRPr sz="1400" b="0" i="0" u="none" strike="noStrike" cap="none" dirty="0">
               <a:solidFill>
                 <a:schemeClr val="dk1"/>
               </a:solidFill>
@@ -10274,7 +10281,7 @@
               <a:buFont typeface="Arial"/>
               <a:buNone/>
             </a:pPr>
-            <a:endParaRPr sz="1400" b="0" i="0" u="none" strike="noStrike" cap="none">
+            <a:endParaRPr sz="1400" b="0" i="0" u="none" strike="noStrike" cap="none" dirty="0">
               <a:solidFill>
                 <a:schemeClr val="dk1"/>
               </a:solidFill>
@@ -10302,7 +10309,7 @@
               <a:buChar char="•"/>
             </a:pPr>
             <a:r>
-              <a:rPr lang="ja-JP" sz="1400" b="0" i="0" u="none" strike="noStrike" cap="none">
+              <a:rPr lang="ja-JP" sz="1400" b="0" i="0" u="none" strike="noStrike" cap="none" dirty="0">
                 <a:solidFill>
                   <a:schemeClr val="dk1"/>
                 </a:solidFill>
@@ -10312,7 +10319,7 @@
               </a:rPr>
               <a:t>ドキュメント命名規則は下記の通り。</a:t>
             </a:r>
-            <a:endParaRPr sz="1400" b="0" i="0" u="none" strike="noStrike" cap="none">
+            <a:endParaRPr sz="1400" b="0" i="0" u="none" strike="noStrike" cap="none" dirty="0">
               <a:solidFill>
                 <a:schemeClr val="dk1"/>
               </a:solidFill>
@@ -10340,7 +10347,7 @@
               <a:buAutoNum type="alphaLcPeriod"/>
             </a:pPr>
             <a:r>
-              <a:rPr lang="ja-JP" sz="1400" b="0" i="0" u="none" strike="noStrike" cap="none">
+              <a:rPr lang="ja-JP" sz="1400" b="0" i="0" u="none" strike="noStrike" cap="none" dirty="0">
                 <a:solidFill>
                   <a:schemeClr val="dk1"/>
                 </a:solidFill>
@@ -10350,7 +10357,7 @@
               </a:rPr>
               <a:t>ドキュメントの内容がわかる名前</a:t>
             </a:r>
-            <a:endParaRPr sz="1400" b="0" i="0" u="none" strike="noStrike" cap="none">
+            <a:endParaRPr sz="1400" b="0" i="0" u="none" strike="noStrike" cap="none" dirty="0">
               <a:solidFill>
                 <a:schemeClr val="dk1"/>
               </a:solidFill>
@@ -10378,7 +10385,7 @@
               <a:buAutoNum type="alphaLcPeriod"/>
             </a:pPr>
             <a:r>
-              <a:rPr lang="ja-JP" sz="1400" b="0" i="0" u="none" strike="noStrike" cap="none">
+              <a:rPr lang="ja-JP" sz="1400" b="0" i="0" u="none" strike="noStrike" cap="none" dirty="0">
                 <a:solidFill>
                   <a:schemeClr val="dk1"/>
                 </a:solidFill>
@@ -10388,7 +10395,7 @@
               </a:rPr>
               <a:t>ドキュメントのバージョン。Fixしたらバージョンをv1.0にあげ、それ以降の変更は変更管理表に記載。</a:t>
             </a:r>
-            <a:endParaRPr sz="1400" b="0" i="0" u="none" strike="noStrike" cap="none">
+            <a:endParaRPr sz="1400" b="0" i="0" u="none" strike="noStrike" cap="none" dirty="0">
               <a:solidFill>
                 <a:schemeClr val="dk1"/>
               </a:solidFill>
@@ -10415,7 +10422,7 @@
               <a:buFont typeface="Arial"/>
               <a:buNone/>
             </a:pPr>
-            <a:endParaRPr sz="1400" b="0" i="0" u="none" strike="noStrike" cap="none">
+            <a:endParaRPr sz="1400" b="0" i="0" u="none" strike="noStrike" cap="none" dirty="0">
               <a:solidFill>
                 <a:schemeClr val="dk1"/>
               </a:solidFill>
@@ -14119,7 +14126,7 @@
               <a:buAutoNum type="romanLcPeriod"/>
             </a:pPr>
             <a:r>
-              <a:rPr lang="ja-JP" sz="1600" b="0" i="0" u="none" strike="noStrike" cap="none">
+              <a:rPr lang="ja-JP" sz="1600" b="0" i="0" u="none" strike="noStrike" cap="none" dirty="0">
                 <a:solidFill>
                   <a:schemeClr val="dk1"/>
                 </a:solidFill>
@@ -14130,7 +14137,7 @@
               </a:rPr>
               <a:t>成果物の定義</a:t>
             </a:r>
-            <a:endParaRPr sz="1600" b="0" i="0" u="none" strike="noStrike" cap="none">
+            <a:endParaRPr sz="1600" b="0" i="0" u="none" strike="noStrike" cap="none" dirty="0">
               <a:solidFill>
                 <a:schemeClr val="dk1"/>
               </a:solidFill>
@@ -14159,7 +14166,7 @@
               <a:buChar char="•"/>
             </a:pPr>
             <a:r>
-              <a:rPr lang="ja-JP" sz="1400" b="0" i="0" u="none" strike="noStrike" cap="none">
+              <a:rPr lang="ja-JP" sz="1400" b="0" i="0" u="none" strike="noStrike" cap="none" dirty="0">
                 <a:solidFill>
                   <a:schemeClr val="dk1"/>
                 </a:solidFill>
@@ -14170,7 +14177,7 @@
               </a:rPr>
               <a:t>Webアプリケーション及びその作成段階で必要となる下記ドキュメントの作成を行う。</a:t>
             </a:r>
-            <a:endParaRPr sz="1400" b="0" i="0" u="none" strike="noStrike" cap="none">
+            <a:endParaRPr sz="1400" b="0" i="0" u="none" strike="noStrike" cap="none" dirty="0">
               <a:solidFill>
                 <a:schemeClr val="dk1"/>
               </a:solidFill>
@@ -14199,7 +14206,7 @@
               <a:buChar char="➢"/>
             </a:pPr>
             <a:r>
-              <a:rPr lang="ja-JP" sz="1400" b="0" i="0" u="none" strike="noStrike" cap="none">
+              <a:rPr lang="ja-JP" sz="1400" b="0" i="0" u="none" strike="noStrike" cap="none" dirty="0">
                 <a:solidFill>
                   <a:schemeClr val="dk1"/>
                 </a:solidFill>
@@ -14210,7 +14217,7 @@
               </a:rPr>
               <a:t>プロジェクト計画書</a:t>
             </a:r>
-            <a:endParaRPr sz="1400" b="0" i="0" u="none" strike="noStrike" cap="none">
+            <a:endParaRPr sz="1400" b="0" i="0" u="none" strike="noStrike" cap="none" dirty="0">
               <a:solidFill>
                 <a:schemeClr val="dk1"/>
               </a:solidFill>
@@ -14239,7 +14246,7 @@
               <a:buChar char="➢"/>
             </a:pPr>
             <a:r>
-              <a:rPr lang="ja-JP" sz="1400" b="0" i="0" u="none" strike="noStrike" cap="none">
+              <a:rPr lang="ja-JP" sz="1400" b="0" i="0" u="none" strike="noStrike" cap="none" dirty="0">
                 <a:solidFill>
                   <a:schemeClr val="dk1"/>
                 </a:solidFill>
@@ -14250,7 +14257,7 @@
               </a:rPr>
               <a:t>要件定義書</a:t>
             </a:r>
-            <a:endParaRPr sz="1400" b="0" i="0" u="none" strike="noStrike" cap="none">
+            <a:endParaRPr sz="1400" b="0" i="0" u="none" strike="noStrike" cap="none" dirty="0">
               <a:solidFill>
                 <a:schemeClr val="dk1"/>
               </a:solidFill>
@@ -14279,7 +14286,7 @@
               <a:buChar char="➢"/>
             </a:pPr>
             <a:r>
-              <a:rPr lang="ja-JP" sz="1400" b="0" i="0" u="none" strike="noStrike" cap="none">
+              <a:rPr lang="ja-JP" sz="1400" b="0" i="0" u="none" strike="noStrike" cap="none" dirty="0">
                 <a:solidFill>
                   <a:schemeClr val="dk1"/>
                 </a:solidFill>
@@ -14290,7 +14297,7 @@
               </a:rPr>
               <a:t>設計書</a:t>
             </a:r>
-            <a:endParaRPr sz="1400" b="0" i="0" u="none" strike="noStrike" cap="none">
+            <a:endParaRPr sz="1400" b="0" i="0" u="none" strike="noStrike" cap="none" dirty="0">
               <a:solidFill>
                 <a:schemeClr val="dk1"/>
               </a:solidFill>
@@ -14319,7 +14326,7 @@
               <a:buChar char="➢"/>
             </a:pPr>
             <a:r>
-              <a:rPr lang="ja-JP" sz="1400" b="0" i="0" u="none" strike="noStrike" cap="none">
+              <a:rPr lang="ja-JP" sz="1400" b="0" i="0" u="none" strike="noStrike" cap="none" dirty="0">
                 <a:solidFill>
                   <a:schemeClr val="dk1"/>
                 </a:solidFill>
@@ -14330,7 +14337,7 @@
               </a:rPr>
               <a:t>画面設計書</a:t>
             </a:r>
-            <a:endParaRPr sz="1400" b="0" i="0" u="none" strike="noStrike" cap="none">
+            <a:endParaRPr sz="1400" b="0" i="0" u="none" strike="noStrike" cap="none" dirty="0">
               <a:solidFill>
                 <a:schemeClr val="dk1"/>
               </a:solidFill>
@@ -14359,7 +14366,7 @@
               <a:buChar char="➢"/>
             </a:pPr>
             <a:r>
-              <a:rPr lang="ja-JP" sz="1400" b="0" i="0" u="none" strike="noStrike" cap="none">
+              <a:rPr lang="ja-JP" sz="1400" b="0" i="0" u="none" strike="noStrike" cap="none" dirty="0">
                 <a:solidFill>
                   <a:schemeClr val="dk1"/>
                 </a:solidFill>
@@ -14370,7 +14377,7 @@
               </a:rPr>
               <a:t>テスト計画書</a:t>
             </a:r>
-            <a:endParaRPr sz="1400" b="0" i="0" u="none" strike="noStrike" cap="none">
+            <a:endParaRPr sz="1400" b="0" i="0" u="none" strike="noStrike" cap="none" dirty="0">
               <a:solidFill>
                 <a:schemeClr val="dk1"/>
               </a:solidFill>
@@ -14398,7 +14405,7 @@
               <a:buFont typeface="Arial"/>
               <a:buNone/>
             </a:pPr>
-            <a:endParaRPr sz="1400" b="0" i="0" u="none" strike="noStrike" cap="none">
+            <a:endParaRPr sz="1400" b="0" i="0" u="none" strike="noStrike" cap="none" dirty="0">
               <a:solidFill>
                 <a:schemeClr val="dk1"/>
               </a:solidFill>
@@ -14427,7 +14434,7 @@
               <a:buAutoNum type="romanLcPeriod"/>
             </a:pPr>
             <a:r>
-              <a:rPr lang="ja-JP" sz="1600" b="0" i="0" u="none" strike="noStrike" cap="none">
+              <a:rPr lang="ja-JP" sz="1600" b="0" i="0" u="none" strike="noStrike" cap="none" dirty="0" smtClean="0">
                 <a:solidFill>
                   <a:schemeClr val="dk1"/>
                 </a:solidFill>
@@ -14438,35 +14445,53 @@
               </a:rPr>
               <a:t>プロジェクトスコープ</a:t>
             </a:r>
-            <a:endParaRPr sz="1600" b="0" i="0" u="none" strike="noStrike" cap="none">
-              <a:solidFill>
-                <a:schemeClr val="dk1"/>
-              </a:solidFill>
+            <a:endParaRPr lang="en-US" altLang="ja-JP" dirty="0">
               <a:latin typeface="+mn-ea"/>
               <a:ea typeface="+mn-ea"/>
-              <a:cs typeface="Calibri"/>
-              <a:sym typeface="Calibri"/>
             </a:endParaRPr>
           </a:p>
           <a:p>
-            <a:pPr marL="685800" marR="0" lvl="1" indent="-139700" algn="l" rtl="0">
-              <a:lnSpc>
-                <a:spcPct val="90000"/>
-              </a:lnSpc>
-              <a:spcBef>
-                <a:spcPts val="500"/>
-              </a:spcBef>
-              <a:spcAft>
-                <a:spcPts val="0"/>
-              </a:spcAft>
-              <a:buClr>
-                <a:schemeClr val="dk1"/>
-              </a:buClr>
-              <a:buSzPts val="1400"/>
-              <a:buFont typeface="Arial"/>
-              <a:buNone/>
+            <a:pPr marL="857250" lvl="1" indent="-400050">
+              <a:spcBef>
+                <a:spcPts val="1000"/>
+              </a:spcBef>
+              <a:buSzPts val="1600"/>
+              <a:buFont typeface="Arial" panose="020B0604020202020204" pitchFamily="34" charset="0"/>
+              <a:buChar char="•"/>
             </a:pPr>
-            <a:endParaRPr sz="1400" b="0" i="0" u="none" strike="noStrike" cap="none">
+            <a:r>
+              <a:rPr lang="ja-JP" altLang="en-US" b="0" i="0" u="none" strike="noStrike" cap="none" dirty="0" smtClean="0">
+                <a:solidFill>
+                  <a:schemeClr val="dk1"/>
+                </a:solidFill>
+                <a:latin typeface="+mn-ea"/>
+                <a:ea typeface="+mn-ea"/>
+                <a:sym typeface="Calibri"/>
+              </a:rPr>
+              <a:t>アプリケーションン</a:t>
+            </a:r>
+            <a:r>
+              <a:rPr lang="ja-JP" altLang="en-US" dirty="0" smtClean="0">
+                <a:latin typeface="+mn-ea"/>
+                <a:ea typeface="+mn-ea"/>
+              </a:rPr>
+              <a:t>の開発及び、</a:t>
+            </a:r>
+            <a:r>
+              <a:rPr lang="en-US" altLang="ja-JP" dirty="0" smtClean="0">
+                <a:latin typeface="+mn-ea"/>
+                <a:ea typeface="+mn-ea"/>
+              </a:rPr>
+              <a:t>Web</a:t>
+            </a:r>
+            <a:r>
+              <a:rPr lang="ja-JP" altLang="en-US" dirty="0" smtClean="0">
+                <a:latin typeface="+mn-ea"/>
+                <a:ea typeface="+mn-ea"/>
+              </a:rPr>
+              <a:t>アプリケーションとしての一般公開。</a:t>
+            </a:r>
+            <a:endParaRPr sz="1200" b="0" i="0" u="none" strike="noStrike" cap="none" dirty="0">
               <a:solidFill>
                 <a:schemeClr val="dk1"/>
               </a:solidFill>
@@ -14495,7 +14520,7 @@
               <a:buAutoNum type="romanLcPeriod"/>
             </a:pPr>
             <a:r>
-              <a:rPr lang="ja-JP" sz="1600" b="0" i="0" u="none" strike="noStrike" cap="none">
+              <a:rPr lang="ja-JP" sz="1600" b="0" i="0" u="none" strike="noStrike" cap="none" dirty="0">
                 <a:solidFill>
                   <a:schemeClr val="dk1"/>
                 </a:solidFill>
@@ -14504,37 +14529,47 @@
                 <a:cs typeface="Calibri"/>
                 <a:sym typeface="Calibri"/>
               </a:rPr>
-              <a:t>除外事項</a:t>
+              <a:t>除外</a:t>
             </a:r>
-            <a:endParaRPr sz="1600" b="0" i="0" u="none" strike="noStrike" cap="none">
-              <a:solidFill>
-                <a:schemeClr val="dk1"/>
-              </a:solidFill>
+            <a:r>
+              <a:rPr lang="ja-JP" sz="1600" b="0" i="0" u="none" strike="noStrike" cap="none" dirty="0" smtClean="0">
+                <a:solidFill>
+                  <a:schemeClr val="dk1"/>
+                </a:solidFill>
+                <a:latin typeface="+mn-ea"/>
+                <a:ea typeface="+mn-ea"/>
+                <a:cs typeface="Calibri"/>
+                <a:sym typeface="Calibri"/>
+              </a:rPr>
+              <a:t>事項</a:t>
+            </a:r>
+            <a:endParaRPr lang="en-US" altLang="ja-JP" dirty="0">
               <a:latin typeface="+mn-ea"/>
               <a:ea typeface="+mn-ea"/>
-              <a:cs typeface="Calibri"/>
-              <a:sym typeface="Calibri"/>
             </a:endParaRPr>
           </a:p>
           <a:p>
-            <a:pPr marL="685800" marR="0" lvl="1" indent="-139700" algn="l" rtl="0">
-              <a:lnSpc>
-                <a:spcPct val="90000"/>
-              </a:lnSpc>
-              <a:spcBef>
-                <a:spcPts val="500"/>
-              </a:spcBef>
-              <a:spcAft>
-                <a:spcPts val="0"/>
-              </a:spcAft>
-              <a:buClr>
-                <a:schemeClr val="dk1"/>
-              </a:buClr>
-              <a:buSzPts val="1400"/>
-              <a:buFont typeface="Arial"/>
-              <a:buNone/>
+            <a:pPr marL="857250" lvl="1" indent="-400050">
+              <a:spcBef>
+                <a:spcPts val="1000"/>
+              </a:spcBef>
+              <a:buSzPts val="1600"/>
+              <a:buFont typeface="Arial" panose="020B0604020202020204" pitchFamily="34" charset="0"/>
+              <a:buChar char="•"/>
             </a:pPr>
-            <a:endParaRPr sz="1400" b="0" i="0" u="none" strike="noStrike" cap="none">
+            <a:r>
+              <a:rPr lang="ja-JP" altLang="en-US" b="0" i="0" u="none" strike="noStrike" cap="none" dirty="0" smtClean="0">
+                <a:solidFill>
+                  <a:schemeClr val="dk1"/>
+                </a:solidFill>
+                <a:latin typeface="+mn-ea"/>
+                <a:ea typeface="+mn-ea"/>
+                <a:cs typeface="Calibri"/>
+                <a:sym typeface="Calibri"/>
+              </a:rPr>
+              <a:t>特になし。</a:t>
+            </a:r>
+            <a:endParaRPr b="0" i="0" u="none" strike="noStrike" cap="none" dirty="0">
               <a:solidFill>
                 <a:schemeClr val="dk1"/>
               </a:solidFill>
@@ -14563,7 +14598,7 @@
               <a:buAutoNum type="romanLcPeriod"/>
             </a:pPr>
             <a:r>
-              <a:rPr lang="ja-JP" sz="1600" b="0" i="0" u="none" strike="noStrike" cap="none">
+              <a:rPr lang="ja-JP" sz="1600" b="0" i="0" u="none" strike="noStrike" cap="none" dirty="0">
                 <a:solidFill>
                   <a:schemeClr val="dk1"/>
                 </a:solidFill>
@@ -14574,7 +14609,7 @@
               </a:rPr>
               <a:t>成果物受入基準</a:t>
             </a:r>
-            <a:endParaRPr sz="1600" b="0" i="0" u="none" strike="noStrike" cap="none">
+            <a:endParaRPr sz="1600" b="0" i="0" u="none" strike="noStrike" cap="none" dirty="0">
               <a:solidFill>
                 <a:schemeClr val="dk1"/>
               </a:solidFill>
@@ -14603,7 +14638,7 @@
               <a:buChar char="•"/>
             </a:pPr>
             <a:r>
-              <a:rPr lang="ja-JP" sz="1400" b="0" i="0" u="none" strike="noStrike" cap="none">
+              <a:rPr lang="ja-JP" sz="1400" b="0" i="0" u="none" strike="noStrike" cap="none" dirty="0">
                 <a:solidFill>
                   <a:schemeClr val="dk1"/>
                 </a:solidFill>
@@ -14614,7 +14649,7 @@
               </a:rPr>
               <a:t>Webアプリケーションは一般公開を目標とするが、基本的にプロジェクトメンバーの使用に耐える品質を条件とするため明確な基準は設けない。</a:t>
             </a:r>
-            <a:endParaRPr sz="1400" b="0" i="0" u="none" strike="noStrike" cap="none">
+            <a:endParaRPr sz="1400" b="0" i="0" u="none" strike="noStrike" cap="none" dirty="0">
               <a:solidFill>
                 <a:schemeClr val="dk1"/>
               </a:solidFill>
@@ -14643,7 +14678,7 @@
               <a:buChar char="•"/>
             </a:pPr>
             <a:r>
-              <a:rPr lang="ja-JP" sz="1400" b="0" i="0" u="none" strike="noStrike" cap="none">
+              <a:rPr lang="ja-JP" sz="1400" b="0" i="0" u="none" strike="noStrike" cap="none" dirty="0">
                 <a:solidFill>
                   <a:schemeClr val="dk1"/>
                 </a:solidFill>
@@ -14654,7 +14689,7 @@
               </a:rPr>
               <a:t>本プロジェクトの性質上、クライアントへの納品は存在しないため各種ドキュメントの品質はメンバーが開発及び保守を行うことのできる最低限のものとする。</a:t>
             </a:r>
-            <a:endParaRPr sz="1400" b="0" i="0" u="none" strike="noStrike" cap="none">
+            <a:endParaRPr sz="1400" b="0" i="0" u="none" strike="noStrike" cap="none" dirty="0">
               <a:solidFill>
                 <a:schemeClr val="dk1"/>
               </a:solidFill>
@@ -22907,7 +22942,7 @@
         </p:nvSpPr>
         <p:spPr>
           <a:xfrm>
-            <a:off x="8392333" y="1811718"/>
+            <a:off x="8392333" y="1802482"/>
             <a:ext cx="100800" cy="93000"/>
           </a:xfrm>
           <a:prstGeom prst="triangle">
@@ -22963,7 +22998,7 @@
         </p:nvSpPr>
         <p:spPr>
           <a:xfrm>
-            <a:off x="8250287" y="1900971"/>
+            <a:off x="8250287" y="1891735"/>
             <a:ext cx="805800" cy="246300"/>
           </a:xfrm>
           <a:prstGeom prst="rect">
@@ -23021,7 +23056,7 @@
         </p:nvSpPr>
         <p:spPr>
           <a:xfrm>
-            <a:off x="10319284" y="1811713"/>
+            <a:off x="10319284" y="1802477"/>
             <a:ext cx="100800" cy="93000"/>
           </a:xfrm>
           <a:prstGeom prst="triangle">
@@ -23077,7 +23112,7 @@
         </p:nvSpPr>
         <p:spPr>
           <a:xfrm>
-            <a:off x="10175981" y="1912880"/>
+            <a:off x="10175981" y="1903644"/>
             <a:ext cx="805800" cy="246300"/>
           </a:xfrm>
           <a:prstGeom prst="rect">
@@ -23174,13 +23209,13 @@
               <a:buAutoNum type="romanLcPeriod" startAt="2"/>
             </a:pPr>
             <a:r>
-              <a:rPr lang="ja-JP" dirty="0">
+              <a:rPr lang="ja-JP" dirty="0" smtClean="0">
                 <a:latin typeface="+mn-ea"/>
                 <a:ea typeface="+mn-ea"/>
               </a:rPr>
               <a:t>備考</a:t>
             </a:r>
-            <a:endParaRPr dirty="0">
+            <a:endParaRPr lang="en-US" altLang="ja-JP" sz="1400" dirty="0" smtClean="0">
               <a:latin typeface="+mn-ea"/>
               <a:ea typeface="+mn-ea"/>
             </a:endParaRPr>
@@ -23201,30 +23236,88 @@
               <a:buChar char="•"/>
             </a:pPr>
             <a:r>
+              <a:rPr lang="ja-JP" sz="1400" dirty="0" smtClean="0">
+                <a:latin typeface="+mn-ea"/>
+                <a:ea typeface="+mn-ea"/>
+              </a:rPr>
+              <a:t>上記</a:t>
+            </a:r>
+            <a:r>
               <a:rPr lang="ja-JP" sz="1400" dirty="0">
                 <a:latin typeface="+mn-ea"/>
                 <a:ea typeface="+mn-ea"/>
               </a:rPr>
-              <a:t>上記マスタスケジュールは要件定義までを確定とし、それ以後のスケジュールは要件定義フェーズで確定した開発規模を基に修正する。</a:t>
+              <a:t>マスタスケジュールは要件定義までを確定とし、それ以後のスケジュールは要件定義フェーズで確定した開発規模を基に修正する</a:t>
             </a:r>
-            <a:endParaRPr sz="1400" dirty="0">
+            <a:r>
+              <a:rPr lang="ja-JP" sz="1400" dirty="0" smtClean="0">
+                <a:latin typeface="+mn-ea"/>
+                <a:ea typeface="+mn-ea"/>
+              </a:rPr>
+              <a:t>。</a:t>
+            </a:r>
+            <a:endParaRPr lang="en-US" altLang="ja-JP" sz="1400" dirty="0">
               <a:latin typeface="+mn-ea"/>
               <a:ea typeface="+mn-ea"/>
             </a:endParaRPr>
           </a:p>
           <a:p>
-            <a:pPr marL="0" marR="0" lvl="0" indent="0" algn="l" rtl="0">
+            <a:pPr marL="457200" marR="0" lvl="0" indent="-317500" algn="l" rtl="0">
               <a:lnSpc>
                 <a:spcPct val="90000"/>
               </a:lnSpc>
               <a:spcBef>
-                <a:spcPts val="1000"/>
-              </a:spcBef>
-              <a:spcAft>
-                <a:spcPts val="0"/>
-              </a:spcAft>
-              <a:buNone/>
+                <a:spcPts val="0"/>
+              </a:spcBef>
+              <a:spcAft>
+                <a:spcPts val="0"/>
+              </a:spcAft>
+              <a:buSzPts val="1400"/>
+              <a:buFont typeface="Arial" panose="020B0604020202020204" pitchFamily="34" charset="0"/>
+              <a:buChar char="•"/>
             </a:pPr>
+            <a:r>
+              <a:rPr lang="en-US" altLang="ja-JP" sz="1400" dirty="0">
+                <a:latin typeface="+mn-ea"/>
+                <a:ea typeface="+mn-ea"/>
+              </a:rPr>
+              <a:t>1</a:t>
+            </a:r>
+            <a:r>
+              <a:rPr lang="ja-JP" altLang="en-US" sz="1400" dirty="0" smtClean="0">
+                <a:latin typeface="+mn-ea"/>
+                <a:ea typeface="+mn-ea"/>
+              </a:rPr>
+              <a:t>人あたり</a:t>
+            </a:r>
+            <a:r>
+              <a:rPr lang="en-US" altLang="ja-JP" sz="1400" dirty="0" smtClean="0">
+                <a:latin typeface="+mn-ea"/>
+                <a:ea typeface="+mn-ea"/>
+              </a:rPr>
+              <a:t>7</a:t>
+            </a:r>
+            <a:r>
+              <a:rPr lang="ja-JP" altLang="en-US" sz="1400" dirty="0" smtClean="0">
+                <a:latin typeface="+mn-ea"/>
+                <a:ea typeface="+mn-ea"/>
+              </a:rPr>
+              <a:t>時間</a:t>
+            </a:r>
+            <a:r>
+              <a:rPr lang="en-US" altLang="ja-JP" sz="1400" dirty="0" smtClean="0">
+                <a:latin typeface="+mn-ea"/>
+                <a:ea typeface="+mn-ea"/>
+              </a:rPr>
+              <a:t>/</a:t>
+            </a:r>
+            <a:r>
+              <a:rPr lang="ja-JP" altLang="en-US" sz="1400" dirty="0" smtClean="0">
+                <a:latin typeface="+mn-ea"/>
+                <a:ea typeface="+mn-ea"/>
+              </a:rPr>
+              <a:t>週の稼働として工数の計算を行う。</a:t>
+            </a:r>
             <a:endParaRPr dirty="0">
               <a:latin typeface="+mn-ea"/>
               <a:ea typeface="+mn-ea"/>
@@ -25036,7 +25129,7 @@
           </a:bodyPr>
           <a:lstStyle/>
           <a:p>
-            <a:pPr marL="228600" marR="0" lvl="0" indent="-127000" algn="l" rtl="0">
+            <a:pPr marL="387350" marR="0" lvl="0" indent="-285750" algn="l" rtl="0">
               <a:lnSpc>
                 <a:spcPct val="90000"/>
               </a:lnSpc>
@@ -25050,10 +25143,24 @@
                 <a:schemeClr val="dk1"/>
               </a:buClr>
               <a:buSzPts val="1600"/>
-              <a:buFont typeface="Noto Sans Symbols"/>
-              <a:buNone/>
+              <a:buFont typeface="Arial" panose="020B0604020202020204" pitchFamily="34" charset="0"/>
+              <a:buChar char="•"/>
             </a:pPr>
-            <a:endParaRPr sz="1600" b="0" i="0" u="none" strike="noStrike" cap="none">
+            <a:r>
+              <a:rPr lang="ja-JP" altLang="en-US" dirty="0">
+                <a:latin typeface="+mn-ea"/>
+                <a:ea typeface="+mn-ea"/>
+              </a:rPr>
+              <a:t>開発</a:t>
+            </a:r>
+            <a:r>
+              <a:rPr lang="ja-JP" altLang="en-US" dirty="0" smtClean="0">
+                <a:latin typeface="+mn-ea"/>
+                <a:ea typeface="+mn-ea"/>
+              </a:rPr>
+              <a:t>の環境は以下の通り。</a:t>
+            </a:r>
+            <a:endParaRPr sz="1600" b="0" i="0" u="none" strike="noStrike" cap="none" dirty="0">
               <a:solidFill>
                 <a:schemeClr val="dk1"/>
               </a:solidFill>
@@ -25189,6 +25296,272 @@
           </a:p>
         </p:txBody>
       </p:sp>
+      <p:graphicFrame>
+        <p:nvGraphicFramePr>
+          <p:cNvPr id="2" name="表 1"/>
+          <p:cNvGraphicFramePr>
+            <a:graphicFrameLocks noGrp="1"/>
+          </p:cNvGraphicFramePr>
+          <p:nvPr>
+            <p:extLst>
+              <p:ext uri="{D42A27DB-BD31-4B8C-83A1-F6EECF244321}">
+                <p14:modId xmlns:p14="http://schemas.microsoft.com/office/powerpoint/2010/main" val="1716081425"/>
+              </p:ext>
+            </p:extLst>
+          </p:nvPr>
+        </p:nvGraphicFramePr>
+        <p:xfrm>
+          <a:off x="838200" y="1837270"/>
+          <a:ext cx="8128000" cy="1483360"/>
+        </p:xfrm>
+        <a:graphic>
+          <a:graphicData uri="http://schemas.openxmlformats.org/drawingml/2006/table">
+            <a:tbl>
+              <a:tblPr firstRow="1" bandRow="1">
+                <a:tableStyleId>{739FE1B7-A41B-4346-9539-CB7C2A2775EA}</a:tableStyleId>
+              </a:tblPr>
+              <a:tblGrid>
+                <a:gridCol w="390236">
+                  <a:extLst>
+                    <a:ext uri="{9D8B030D-6E8A-4147-A177-3AD203B41FA5}">
+                      <a16:colId xmlns:a16="http://schemas.microsoft.com/office/drawing/2014/main" val="434140870"/>
+                    </a:ext>
+                  </a:extLst>
+                </a:gridCol>
+                <a:gridCol w="3868882">
+                  <a:extLst>
+                    <a:ext uri="{9D8B030D-6E8A-4147-A177-3AD203B41FA5}">
+                      <a16:colId xmlns:a16="http://schemas.microsoft.com/office/drawing/2014/main" val="1442640410"/>
+                    </a:ext>
+                  </a:extLst>
+                </a:gridCol>
+                <a:gridCol w="3868882">
+                  <a:extLst>
+                    <a:ext uri="{9D8B030D-6E8A-4147-A177-3AD203B41FA5}">
+                      <a16:colId xmlns:a16="http://schemas.microsoft.com/office/drawing/2014/main" val="2879146911"/>
+                    </a:ext>
+                  </a:extLst>
+                </a:gridCol>
+              </a:tblGrid>
+              <a:tr h="370840">
+                <a:tc>
+                  <a:txBody>
+                    <a:bodyPr/>
+                    <a:lstStyle/>
+                    <a:p>
+                      <a:r>
+                        <a:rPr kumimoji="1" lang="en-US" altLang="ja-JP" dirty="0" smtClean="0"/>
+                        <a:t>#</a:t>
+                      </a:r>
+                      <a:endParaRPr kumimoji="1" lang="ja-JP" altLang="en-US" dirty="0"/>
+                    </a:p>
+                  </a:txBody>
+                  <a:tcPr/>
+                </a:tc>
+                <a:tc>
+                  <a:txBody>
+                    <a:bodyPr/>
+                    <a:lstStyle/>
+                    <a:p>
+                      <a:r>
+                        <a:rPr kumimoji="1" lang="ja-JP" altLang="en-US" dirty="0" smtClean="0"/>
+                        <a:t>区分</a:t>
+                      </a:r>
+                      <a:endParaRPr kumimoji="1" lang="ja-JP" altLang="en-US" dirty="0"/>
+                    </a:p>
+                  </a:txBody>
+                  <a:tcPr/>
+                </a:tc>
+                <a:tc>
+                  <a:txBody>
+                    <a:bodyPr/>
+                    <a:lstStyle/>
+                    <a:p>
+                      <a:r>
+                        <a:rPr kumimoji="1" lang="ja-JP" altLang="en-US" dirty="0" smtClean="0"/>
+                        <a:t>環境</a:t>
+                      </a:r>
+                      <a:endParaRPr kumimoji="1" lang="ja-JP" altLang="en-US" dirty="0"/>
+                    </a:p>
+                  </a:txBody>
+                  <a:tcPr/>
+                </a:tc>
+                <a:extLst>
+                  <a:ext uri="{0D108BD9-81ED-4DB2-BD59-A6C34878D82A}">
+                    <a16:rowId xmlns:a16="http://schemas.microsoft.com/office/drawing/2014/main" val="3937514416"/>
+                  </a:ext>
+                </a:extLst>
+              </a:tr>
+              <a:tr h="370840">
+                <a:tc>
+                  <a:txBody>
+                    <a:bodyPr/>
+                    <a:lstStyle/>
+                    <a:p>
+                      <a:r>
+                        <a:rPr kumimoji="1" lang="en-US" altLang="ja-JP" dirty="0" smtClean="0"/>
+                        <a:t>1</a:t>
+                      </a:r>
+                      <a:endParaRPr kumimoji="1" lang="ja-JP" altLang="en-US" dirty="0"/>
+                    </a:p>
+                  </a:txBody>
+                  <a:tcPr/>
+                </a:tc>
+                <a:tc>
+                  <a:txBody>
+                    <a:bodyPr/>
+                    <a:lstStyle/>
+                    <a:p>
+                      <a:r>
+                        <a:rPr kumimoji="1" lang="en-US" altLang="ja-JP" dirty="0" smtClean="0"/>
+                        <a:t>OS</a:t>
+                      </a:r>
+                      <a:endParaRPr kumimoji="1" lang="ja-JP" altLang="en-US" dirty="0"/>
+                    </a:p>
+                  </a:txBody>
+                  <a:tcPr/>
+                </a:tc>
+                <a:tc>
+                  <a:txBody>
+                    <a:bodyPr/>
+                    <a:lstStyle/>
+                    <a:p>
+                      <a:r>
+                        <a:rPr kumimoji="1" lang="en-US" altLang="ja-JP" dirty="0" err="1" smtClean="0"/>
+                        <a:t>macOS</a:t>
+                      </a:r>
+                      <a:r>
+                        <a:rPr kumimoji="1" lang="en-US" altLang="ja-JP" baseline="0" dirty="0" smtClean="0"/>
+                        <a:t> </a:t>
+                      </a:r>
+                      <a:r>
+                        <a:rPr kumimoji="1" lang="ja-JP" altLang="en-US" baseline="0" dirty="0" smtClean="0"/>
+                        <a:t>●●</a:t>
+                      </a:r>
+                      <a:r>
+                        <a:rPr kumimoji="1" lang="en-US" altLang="ja-JP" baseline="0" dirty="0" smtClean="0"/>
+                        <a:t>, Windows </a:t>
+                      </a:r>
+                      <a:r>
+                        <a:rPr kumimoji="1" lang="ja-JP" altLang="en-US" baseline="0" dirty="0" smtClean="0"/>
+                        <a:t>●●</a:t>
+                      </a:r>
+                      <a:endParaRPr kumimoji="1" lang="ja-JP" altLang="en-US" dirty="0"/>
+                    </a:p>
+                  </a:txBody>
+                  <a:tcPr/>
+                </a:tc>
+                <a:extLst>
+                  <a:ext uri="{0D108BD9-81ED-4DB2-BD59-A6C34878D82A}">
+                    <a16:rowId xmlns:a16="http://schemas.microsoft.com/office/drawing/2014/main" val="2512498951"/>
+                  </a:ext>
+                </a:extLst>
+              </a:tr>
+              <a:tr h="370840">
+                <a:tc>
+                  <a:txBody>
+                    <a:bodyPr/>
+                    <a:lstStyle/>
+                    <a:p>
+                      <a:r>
+                        <a:rPr kumimoji="1" lang="en-US" altLang="ja-JP" dirty="0" smtClean="0"/>
+                        <a:t>2</a:t>
+                      </a:r>
+                      <a:endParaRPr kumimoji="1" lang="ja-JP" altLang="en-US" dirty="0"/>
+                    </a:p>
+                  </a:txBody>
+                  <a:tcPr/>
+                </a:tc>
+                <a:tc>
+                  <a:txBody>
+                    <a:bodyPr/>
+                    <a:lstStyle/>
+                    <a:p>
+                      <a:r>
+                        <a:rPr kumimoji="1" lang="ja-JP" altLang="en-US" dirty="0" smtClean="0"/>
+                        <a:t>開発言語</a:t>
+                      </a:r>
+                      <a:endParaRPr kumimoji="1" lang="ja-JP" altLang="en-US" dirty="0"/>
+                    </a:p>
+                  </a:txBody>
+                  <a:tcPr/>
+                </a:tc>
+                <a:tc>
+                  <a:txBody>
+                    <a:bodyPr/>
+                    <a:lstStyle/>
+                    <a:p>
+                      <a:r>
+                        <a:rPr kumimoji="1" lang="en-US" altLang="ja-JP" dirty="0" err="1" smtClean="0"/>
+                        <a:t>Jave</a:t>
+                      </a:r>
+                      <a:r>
+                        <a:rPr kumimoji="1" lang="en-US" altLang="ja-JP" dirty="0" smtClean="0"/>
+                        <a:t> SE8, Java Script, HTML, CSS</a:t>
+                      </a:r>
+                    </a:p>
+                  </a:txBody>
+                  <a:tcPr/>
+                </a:tc>
+                <a:extLst>
+                  <a:ext uri="{0D108BD9-81ED-4DB2-BD59-A6C34878D82A}">
+                    <a16:rowId xmlns:a16="http://schemas.microsoft.com/office/drawing/2014/main" val="55744621"/>
+                  </a:ext>
+                </a:extLst>
+              </a:tr>
+              <a:tr h="370840">
+                <a:tc>
+                  <a:txBody>
+                    <a:bodyPr/>
+                    <a:lstStyle/>
+                    <a:p>
+                      <a:r>
+                        <a:rPr kumimoji="1" lang="en-US" altLang="ja-JP" dirty="0" smtClean="0"/>
+                        <a:t>3</a:t>
+                      </a:r>
+                      <a:endParaRPr kumimoji="1" lang="ja-JP" altLang="en-US" dirty="0"/>
+                    </a:p>
+                  </a:txBody>
+                  <a:tcPr/>
+                </a:tc>
+                <a:tc>
+                  <a:txBody>
+                    <a:bodyPr/>
+                    <a:lstStyle/>
+                    <a:p>
+                      <a:r>
+                        <a:rPr kumimoji="1" lang="ja-JP" altLang="en-US" dirty="0" smtClean="0"/>
+                        <a:t>フレームワーク</a:t>
+                      </a:r>
+                      <a:endParaRPr kumimoji="1" lang="ja-JP" altLang="en-US" dirty="0"/>
+                    </a:p>
+                  </a:txBody>
+                  <a:tcPr/>
+                </a:tc>
+                <a:tc>
+                  <a:txBody>
+                    <a:bodyPr/>
+                    <a:lstStyle/>
+                    <a:p>
+                      <a:r>
+                        <a:rPr kumimoji="1" lang="en-US" altLang="ja-JP" dirty="0" smtClean="0"/>
+                        <a:t>Spring Boot</a:t>
+                      </a:r>
+                      <a:endParaRPr kumimoji="1" lang="ja-JP" altLang="en-US" dirty="0"/>
+                    </a:p>
+                  </a:txBody>
+                  <a:tcPr/>
+                </a:tc>
+                <a:extLst>
+                  <a:ext uri="{0D108BD9-81ED-4DB2-BD59-A6C34878D82A}">
+                    <a16:rowId xmlns:a16="http://schemas.microsoft.com/office/drawing/2014/main" val="2233865599"/>
+                  </a:ext>
+                </a:extLst>
+              </a:tr>
+            </a:tbl>
+          </a:graphicData>
+        </a:graphic>
+      </p:graphicFrame>
     </p:spTree>
   </p:cSld>
   <p:clrMapOvr>
